--- a/docs/最小可認證.pptx
+++ b/docs/最小可認證.pptx
@@ -269,7 +269,7 @@
           <a:p>
             <a:fld id="{5BF11C4E-8422-3341-B883-299856371C64}" type="datetimeFigureOut">
               <a:rPr kumimoji="1" lang="zh-TW" altLang="en-US" smtClean="0"/>
-              <a:t>2024/7/27</a:t>
+              <a:t>2024/7/31</a:t>
             </a:fld>
             <a:endParaRPr kumimoji="1" lang="zh-TW" altLang="en-US"/>
           </a:p>
@@ -467,7 +467,7 @@
           <a:p>
             <a:fld id="{5BF11C4E-8422-3341-B883-299856371C64}" type="datetimeFigureOut">
               <a:rPr kumimoji="1" lang="zh-TW" altLang="en-US" smtClean="0"/>
-              <a:t>2024/7/27</a:t>
+              <a:t>2024/7/31</a:t>
             </a:fld>
             <a:endParaRPr kumimoji="1" lang="zh-TW" altLang="en-US"/>
           </a:p>
@@ -675,7 +675,7 @@
           <a:p>
             <a:fld id="{5BF11C4E-8422-3341-B883-299856371C64}" type="datetimeFigureOut">
               <a:rPr kumimoji="1" lang="zh-TW" altLang="en-US" smtClean="0"/>
-              <a:t>2024/7/27</a:t>
+              <a:t>2024/7/31</a:t>
             </a:fld>
             <a:endParaRPr kumimoji="1" lang="zh-TW" altLang="en-US"/>
           </a:p>
@@ -873,7 +873,7 @@
           <a:p>
             <a:fld id="{5BF11C4E-8422-3341-B883-299856371C64}" type="datetimeFigureOut">
               <a:rPr kumimoji="1" lang="zh-TW" altLang="en-US" smtClean="0"/>
-              <a:t>2024/7/27</a:t>
+              <a:t>2024/7/31</a:t>
             </a:fld>
             <a:endParaRPr kumimoji="1" lang="zh-TW" altLang="en-US"/>
           </a:p>
@@ -1148,7 +1148,7 @@
           <a:p>
             <a:fld id="{5BF11C4E-8422-3341-B883-299856371C64}" type="datetimeFigureOut">
               <a:rPr kumimoji="1" lang="zh-TW" altLang="en-US" smtClean="0"/>
-              <a:t>2024/7/27</a:t>
+              <a:t>2024/7/31</a:t>
             </a:fld>
             <a:endParaRPr kumimoji="1" lang="zh-TW" altLang="en-US"/>
           </a:p>
@@ -1413,7 +1413,7 @@
           <a:p>
             <a:fld id="{5BF11C4E-8422-3341-B883-299856371C64}" type="datetimeFigureOut">
               <a:rPr kumimoji="1" lang="zh-TW" altLang="en-US" smtClean="0"/>
-              <a:t>2024/7/27</a:t>
+              <a:t>2024/7/31</a:t>
             </a:fld>
             <a:endParaRPr kumimoji="1" lang="zh-TW" altLang="en-US"/>
           </a:p>
@@ -1825,7 +1825,7 @@
           <a:p>
             <a:fld id="{5BF11C4E-8422-3341-B883-299856371C64}" type="datetimeFigureOut">
               <a:rPr kumimoji="1" lang="zh-TW" altLang="en-US" smtClean="0"/>
-              <a:t>2024/7/27</a:t>
+              <a:t>2024/7/31</a:t>
             </a:fld>
             <a:endParaRPr kumimoji="1" lang="zh-TW" altLang="en-US"/>
           </a:p>
@@ -1966,7 +1966,7 @@
           <a:p>
             <a:fld id="{5BF11C4E-8422-3341-B883-299856371C64}" type="datetimeFigureOut">
               <a:rPr kumimoji="1" lang="zh-TW" altLang="en-US" smtClean="0"/>
-              <a:t>2024/7/27</a:t>
+              <a:t>2024/7/31</a:t>
             </a:fld>
             <a:endParaRPr kumimoji="1" lang="zh-TW" altLang="en-US"/>
           </a:p>
@@ -2079,7 +2079,7 @@
           <a:p>
             <a:fld id="{5BF11C4E-8422-3341-B883-299856371C64}" type="datetimeFigureOut">
               <a:rPr kumimoji="1" lang="zh-TW" altLang="en-US" smtClean="0"/>
-              <a:t>2024/7/27</a:t>
+              <a:t>2024/7/31</a:t>
             </a:fld>
             <a:endParaRPr kumimoji="1" lang="zh-TW" altLang="en-US"/>
           </a:p>
@@ -2390,7 +2390,7 @@
           <a:p>
             <a:fld id="{5BF11C4E-8422-3341-B883-299856371C64}" type="datetimeFigureOut">
               <a:rPr kumimoji="1" lang="zh-TW" altLang="en-US" smtClean="0"/>
-              <a:t>2024/7/27</a:t>
+              <a:t>2024/7/31</a:t>
             </a:fld>
             <a:endParaRPr kumimoji="1" lang="zh-TW" altLang="en-US"/>
           </a:p>
@@ -2678,7 +2678,7 @@
           <a:p>
             <a:fld id="{5BF11C4E-8422-3341-B883-299856371C64}" type="datetimeFigureOut">
               <a:rPr kumimoji="1" lang="zh-TW" altLang="en-US" smtClean="0"/>
-              <a:t>2024/7/27</a:t>
+              <a:t>2024/7/31</a:t>
             </a:fld>
             <a:endParaRPr kumimoji="1" lang="zh-TW" altLang="en-US"/>
           </a:p>
@@ -2919,7 +2919,7 @@
           <a:p>
             <a:fld id="{5BF11C4E-8422-3341-B883-299856371C64}" type="datetimeFigureOut">
               <a:rPr kumimoji="1" lang="zh-TW" altLang="en-US" smtClean="0"/>
-              <a:t>2024/7/27</a:t>
+              <a:t>2024/7/31</a:t>
             </a:fld>
             <a:endParaRPr kumimoji="1" lang="zh-TW" altLang="en-US"/>
           </a:p>

--- a/docs/最小可認證.pptx
+++ b/docs/最小可認證.pptx
@@ -13,9 +13,10 @@
     <p:sldId id="259" r:id="rId7"/>
     <p:sldId id="266" r:id="rId8"/>
     <p:sldId id="258" r:id="rId9"/>
-    <p:sldId id="260" r:id="rId10"/>
-    <p:sldId id="268" r:id="rId11"/>
-    <p:sldId id="267" r:id="rId12"/>
+    <p:sldId id="269" r:id="rId10"/>
+    <p:sldId id="260" r:id="rId11"/>
+    <p:sldId id="268" r:id="rId12"/>
+    <p:sldId id="267" r:id="rId13"/>
   </p:sldIdLst>
   <p:sldSz cx="12192000" cy="6858000"/>
   <p:notesSz cx="6858000" cy="9144000"/>
@@ -269,7 +270,7 @@
           <a:p>
             <a:fld id="{5BF11C4E-8422-3341-B883-299856371C64}" type="datetimeFigureOut">
               <a:rPr kumimoji="1" lang="zh-TW" altLang="en-US" smtClean="0"/>
-              <a:t>2024/7/31</a:t>
+              <a:t>2024/8/3</a:t>
             </a:fld>
             <a:endParaRPr kumimoji="1" lang="zh-TW" altLang="en-US"/>
           </a:p>
@@ -467,7 +468,7 @@
           <a:p>
             <a:fld id="{5BF11C4E-8422-3341-B883-299856371C64}" type="datetimeFigureOut">
               <a:rPr kumimoji="1" lang="zh-TW" altLang="en-US" smtClean="0"/>
-              <a:t>2024/7/31</a:t>
+              <a:t>2024/8/3</a:t>
             </a:fld>
             <a:endParaRPr kumimoji="1" lang="zh-TW" altLang="en-US"/>
           </a:p>
@@ -675,7 +676,7 @@
           <a:p>
             <a:fld id="{5BF11C4E-8422-3341-B883-299856371C64}" type="datetimeFigureOut">
               <a:rPr kumimoji="1" lang="zh-TW" altLang="en-US" smtClean="0"/>
-              <a:t>2024/7/31</a:t>
+              <a:t>2024/8/3</a:t>
             </a:fld>
             <a:endParaRPr kumimoji="1" lang="zh-TW" altLang="en-US"/>
           </a:p>
@@ -873,7 +874,7 @@
           <a:p>
             <a:fld id="{5BF11C4E-8422-3341-B883-299856371C64}" type="datetimeFigureOut">
               <a:rPr kumimoji="1" lang="zh-TW" altLang="en-US" smtClean="0"/>
-              <a:t>2024/7/31</a:t>
+              <a:t>2024/8/3</a:t>
             </a:fld>
             <a:endParaRPr kumimoji="1" lang="zh-TW" altLang="en-US"/>
           </a:p>
@@ -1148,7 +1149,7 @@
           <a:p>
             <a:fld id="{5BF11C4E-8422-3341-B883-299856371C64}" type="datetimeFigureOut">
               <a:rPr kumimoji="1" lang="zh-TW" altLang="en-US" smtClean="0"/>
-              <a:t>2024/7/31</a:t>
+              <a:t>2024/8/3</a:t>
             </a:fld>
             <a:endParaRPr kumimoji="1" lang="zh-TW" altLang="en-US"/>
           </a:p>
@@ -1413,7 +1414,7 @@
           <a:p>
             <a:fld id="{5BF11C4E-8422-3341-B883-299856371C64}" type="datetimeFigureOut">
               <a:rPr kumimoji="1" lang="zh-TW" altLang="en-US" smtClean="0"/>
-              <a:t>2024/7/31</a:t>
+              <a:t>2024/8/3</a:t>
             </a:fld>
             <a:endParaRPr kumimoji="1" lang="zh-TW" altLang="en-US"/>
           </a:p>
@@ -1825,7 +1826,7 @@
           <a:p>
             <a:fld id="{5BF11C4E-8422-3341-B883-299856371C64}" type="datetimeFigureOut">
               <a:rPr kumimoji="1" lang="zh-TW" altLang="en-US" smtClean="0"/>
-              <a:t>2024/7/31</a:t>
+              <a:t>2024/8/3</a:t>
             </a:fld>
             <a:endParaRPr kumimoji="1" lang="zh-TW" altLang="en-US"/>
           </a:p>
@@ -1966,7 +1967,7 @@
           <a:p>
             <a:fld id="{5BF11C4E-8422-3341-B883-299856371C64}" type="datetimeFigureOut">
               <a:rPr kumimoji="1" lang="zh-TW" altLang="en-US" smtClean="0"/>
-              <a:t>2024/7/31</a:t>
+              <a:t>2024/8/3</a:t>
             </a:fld>
             <a:endParaRPr kumimoji="1" lang="zh-TW" altLang="en-US"/>
           </a:p>
@@ -2079,7 +2080,7 @@
           <a:p>
             <a:fld id="{5BF11C4E-8422-3341-B883-299856371C64}" type="datetimeFigureOut">
               <a:rPr kumimoji="1" lang="zh-TW" altLang="en-US" smtClean="0"/>
-              <a:t>2024/7/31</a:t>
+              <a:t>2024/8/3</a:t>
             </a:fld>
             <a:endParaRPr kumimoji="1" lang="zh-TW" altLang="en-US"/>
           </a:p>
@@ -2390,7 +2391,7 @@
           <a:p>
             <a:fld id="{5BF11C4E-8422-3341-B883-299856371C64}" type="datetimeFigureOut">
               <a:rPr kumimoji="1" lang="zh-TW" altLang="en-US" smtClean="0"/>
-              <a:t>2024/7/31</a:t>
+              <a:t>2024/8/3</a:t>
             </a:fld>
             <a:endParaRPr kumimoji="1" lang="zh-TW" altLang="en-US"/>
           </a:p>
@@ -2678,7 +2679,7 @@
           <a:p>
             <a:fld id="{5BF11C4E-8422-3341-B883-299856371C64}" type="datetimeFigureOut">
               <a:rPr kumimoji="1" lang="zh-TW" altLang="en-US" smtClean="0"/>
-              <a:t>2024/7/31</a:t>
+              <a:t>2024/8/3</a:t>
             </a:fld>
             <a:endParaRPr kumimoji="1" lang="zh-TW" altLang="en-US"/>
           </a:p>
@@ -2919,7 +2920,7 @@
           <a:p>
             <a:fld id="{5BF11C4E-8422-3341-B883-299856371C64}" type="datetimeFigureOut">
               <a:rPr kumimoji="1" lang="zh-TW" altLang="en-US" smtClean="0"/>
-              <a:t>2024/7/31</a:t>
+              <a:t>2024/8/3</a:t>
             </a:fld>
             <a:endParaRPr kumimoji="1" lang="zh-TW" altLang="en-US"/>
           </a:p>
@@ -3424,6 +3425,734 @@
           <p:cNvPr id="2" name="標題 1">
             <a:extLst>
               <a:ext uri="{FF2B5EF4-FFF2-40B4-BE49-F238E27FC236}">
+                <a16:creationId xmlns:a16="http://schemas.microsoft.com/office/drawing/2014/main" id="{CB46BC8B-DFAA-BFE3-9417-068B9329C7FE}"/>
+              </a:ext>
+            </a:extLst>
+          </p:cNvPr>
+          <p:cNvSpPr>
+            <a:spLocks noGrp="1"/>
+          </p:cNvSpPr>
+          <p:nvPr>
+            <p:ph type="title"/>
+          </p:nvPr>
+        </p:nvSpPr>
+        <p:spPr/>
+        <p:txBody>
+          <a:bodyPr/>
+          <a:lstStyle/>
+          <a:p>
+            <a:r>
+              <a:rPr kumimoji="1" lang="zh-TW" altLang="en-US" dirty="0"/>
+              <a:t>部分最小案例</a:t>
+            </a:r>
+          </a:p>
+        </p:txBody>
+      </p:sp>
+      <p:sp>
+        <p:nvSpPr>
+          <p:cNvPr id="3" name="內容版面配置區 2">
+            <a:extLst>
+              <a:ext uri="{FF2B5EF4-FFF2-40B4-BE49-F238E27FC236}">
+                <a16:creationId xmlns:a16="http://schemas.microsoft.com/office/drawing/2014/main" id="{66FDB20C-D9EE-3930-8CFE-1FA8374C6AAE}"/>
+              </a:ext>
+            </a:extLst>
+          </p:cNvPr>
+          <p:cNvSpPr>
+            <a:spLocks noGrp="1"/>
+          </p:cNvSpPr>
+          <p:nvPr>
+            <p:ph idx="1"/>
+          </p:nvPr>
+        </p:nvSpPr>
+        <p:spPr>
+          <a:xfrm>
+            <a:off x="838200" y="1690688"/>
+            <a:ext cx="10515600" cy="1937078"/>
+          </a:xfrm>
+        </p:spPr>
+        <p:txBody>
+          <a:bodyPr>
+            <a:normAutofit/>
+          </a:bodyPr>
+          <a:lstStyle/>
+          <a:p>
+            <a:pPr marL="514350" indent="-514350">
+              <a:buFont typeface="+mj-lt"/>
+              <a:buAutoNum type="arabicPeriod"/>
+            </a:pPr>
+            <a:r>
+              <a:rPr kumimoji="1" lang="zh-TW" altLang="en-US" sz="2400" dirty="0"/>
+              <a:t>用公鑰當</a:t>
+            </a:r>
+            <a:r>
+              <a:rPr kumimoji="1" lang="en-US" altLang="zh-TW" sz="2400" dirty="0"/>
+              <a:t> ID , </a:t>
+            </a:r>
+            <a:r>
+              <a:rPr kumimoji="1" lang="zh-TW" altLang="en-US" sz="2400" dirty="0"/>
+              <a:t>只要是隨機生成</a:t>
+            </a:r>
+            <a:r>
+              <a:rPr kumimoji="1" lang="en-US" altLang="zh-TW" sz="2400" dirty="0"/>
+              <a:t>, </a:t>
+            </a:r>
+            <a:r>
+              <a:rPr kumimoji="1" lang="zh-TW" altLang="en-US" sz="2400" dirty="0"/>
+              <a:t>理論上私鑰不會被猜出來</a:t>
+            </a:r>
+            <a:r>
+              <a:rPr kumimoji="1" lang="en-US" altLang="zh-TW" sz="2400" dirty="0"/>
+              <a:t>, </a:t>
+            </a:r>
+            <a:r>
+              <a:rPr kumimoji="1" lang="zh-TW" altLang="en-US" sz="2400" dirty="0"/>
+              <a:t>就符合</a:t>
+            </a:r>
+            <a:endParaRPr kumimoji="1" lang="en-US" altLang="zh-TW" sz="2400" dirty="0"/>
+          </a:p>
+          <a:p>
+            <a:pPr marL="514350" indent="-514350">
+              <a:buFont typeface="+mj-lt"/>
+              <a:buAutoNum type="arabicPeriod"/>
+            </a:pPr>
+            <a:r>
+              <a:rPr kumimoji="1" lang="zh-TW" altLang="en-US" sz="2400" dirty="0"/>
+              <a:t>把密碼的</a:t>
+            </a:r>
+            <a:r>
+              <a:rPr kumimoji="1" lang="en-US" altLang="zh-TW" sz="2400" dirty="0"/>
+              <a:t> Hash </a:t>
+            </a:r>
+            <a:r>
+              <a:rPr kumimoji="1" lang="zh-TW" altLang="en-US" sz="2400" dirty="0"/>
+              <a:t>當 </a:t>
+            </a:r>
+            <a:r>
+              <a:rPr kumimoji="1" lang="en-US" altLang="zh-TW" sz="2400" dirty="0"/>
+              <a:t>ID, </a:t>
+            </a:r>
+            <a:r>
+              <a:rPr kumimoji="1" lang="zh-TW" altLang="en-US" sz="2400" dirty="0"/>
+              <a:t>使用零知識證明，證明擁有</a:t>
+            </a:r>
+            <a:r>
+              <a:rPr kumimoji="1" lang="en-US" altLang="zh-TW" sz="2400" dirty="0"/>
+              <a:t> hash </a:t>
+            </a:r>
+            <a:r>
+              <a:rPr kumimoji="1" lang="zh-TW" altLang="en-US" sz="2400" dirty="0"/>
+              <a:t>的</a:t>
+            </a:r>
+            <a:r>
+              <a:rPr kumimoji="1" lang="en-US" altLang="zh-TW" sz="2400" dirty="0"/>
+              <a:t> pre-image</a:t>
+            </a:r>
+          </a:p>
+          <a:p>
+            <a:pPr marL="514350" indent="-514350">
+              <a:buFont typeface="+mj-lt"/>
+              <a:buAutoNum type="arabicPeriod"/>
+            </a:pPr>
+            <a:r>
+              <a:rPr kumimoji="1" lang="zh-TW" altLang="en-US" sz="2400" dirty="0"/>
+              <a:t>可以用被自訂密碼產生的</a:t>
+            </a:r>
+            <a:r>
+              <a:rPr kumimoji="1" lang="en-US" altLang="zh-TW" sz="2400" dirty="0"/>
+              <a:t> </a:t>
+            </a:r>
+            <a:r>
+              <a:rPr kumimoji="1" lang="en-US" altLang="zh-TW" sz="2400" dirty="0" err="1"/>
+              <a:t>uuid</a:t>
+            </a:r>
+            <a:r>
+              <a:rPr kumimoji="1" lang="en-US" altLang="zh-TW" sz="2400" dirty="0"/>
+              <a:t> (</a:t>
+            </a:r>
+            <a:r>
+              <a:rPr kumimoji="1" lang="zh-TW" altLang="en-US" sz="2400" dirty="0"/>
+              <a:t>概念相當於</a:t>
+            </a:r>
+            <a:r>
+              <a:rPr kumimoji="1" lang="en-US" altLang="zh-TW" sz="2400" dirty="0"/>
+              <a:t>hash)</a:t>
+            </a:r>
+            <a:r>
+              <a:rPr kumimoji="1" lang="zh-TW" altLang="en-US" sz="2400" dirty="0"/>
+              <a:t>，使用零知識證明，證明擁有</a:t>
+            </a:r>
+            <a:r>
+              <a:rPr kumimoji="1" lang="en-US" altLang="zh-TW" sz="2400" dirty="0"/>
+              <a:t> </a:t>
+            </a:r>
+            <a:r>
+              <a:rPr kumimoji="1" lang="en-US" altLang="zh-TW" sz="2400" dirty="0" err="1"/>
+              <a:t>uuid</a:t>
+            </a:r>
+            <a:r>
+              <a:rPr kumimoji="1" lang="en-US" altLang="zh-TW" sz="2400" dirty="0"/>
+              <a:t> </a:t>
+            </a:r>
+            <a:r>
+              <a:rPr kumimoji="1" lang="zh-TW" altLang="en-US" sz="2400" dirty="0"/>
+              <a:t>的</a:t>
+            </a:r>
+            <a:r>
+              <a:rPr kumimoji="1" lang="en-US" altLang="zh-TW" sz="2400" dirty="0"/>
+              <a:t> pre-image</a:t>
+            </a:r>
+          </a:p>
+        </p:txBody>
+      </p:sp>
+      <p:graphicFrame>
+        <p:nvGraphicFramePr>
+          <p:cNvPr id="4" name="表格 3">
+            <a:extLst>
+              <a:ext uri="{FF2B5EF4-FFF2-40B4-BE49-F238E27FC236}">
+                <a16:creationId xmlns:a16="http://schemas.microsoft.com/office/drawing/2014/main" id="{707CB11A-7231-B1B6-B2CE-F7F3DDA8629F}"/>
+              </a:ext>
+            </a:extLst>
+          </p:cNvPr>
+          <p:cNvGraphicFramePr>
+            <a:graphicFrameLocks noGrp="1"/>
+          </p:cNvGraphicFramePr>
+          <p:nvPr>
+            <p:extLst>
+              <p:ext uri="{D42A27DB-BD31-4B8C-83A1-F6EECF244321}">
+                <p14:modId xmlns:p14="http://schemas.microsoft.com/office/powerpoint/2010/main" val="2868950795"/>
+              </p:ext>
+            </p:extLst>
+          </p:nvPr>
+        </p:nvGraphicFramePr>
+        <p:xfrm>
+          <a:off x="3032573" y="3382056"/>
+          <a:ext cx="6126854" cy="1010920"/>
+        </p:xfrm>
+        <a:graphic>
+          <a:graphicData uri="http://schemas.openxmlformats.org/drawingml/2006/table">
+            <a:tbl>
+              <a:tblPr firstRow="1" bandRow="1">
+                <a:tableStyleId>{5C22544A-7EE6-4342-B048-85BDC9FD1C3A}</a:tableStyleId>
+              </a:tblPr>
+              <a:tblGrid>
+                <a:gridCol w="3520289">
+                  <a:extLst>
+                    <a:ext uri="{9D8B030D-6E8A-4147-A177-3AD203B41FA5}">
+                      <a16:colId xmlns:a16="http://schemas.microsoft.com/office/drawing/2014/main" val="1656300732"/>
+                    </a:ext>
+                  </a:extLst>
+                </a:gridCol>
+                <a:gridCol w="2606565">
+                  <a:extLst>
+                    <a:ext uri="{9D8B030D-6E8A-4147-A177-3AD203B41FA5}">
+                      <a16:colId xmlns:a16="http://schemas.microsoft.com/office/drawing/2014/main" val="805560109"/>
+                    </a:ext>
+                  </a:extLst>
+                </a:gridCol>
+              </a:tblGrid>
+              <a:tr h="370840">
+                <a:tc>
+                  <a:txBody>
+                    <a:bodyPr/>
+                    <a:lstStyle/>
+                    <a:p>
+                      <a:pPr algn="ctr"/>
+                      <a:r>
+                        <a:rPr lang="en-US" altLang="zh-TW" dirty="0"/>
+                        <a:t>Client</a:t>
+                      </a:r>
+                      <a:endParaRPr lang="zh-TW" altLang="en-US" dirty="0"/>
+                    </a:p>
+                  </a:txBody>
+                  <a:tcPr/>
+                </a:tc>
+                <a:tc>
+                  <a:txBody>
+                    <a:bodyPr/>
+                    <a:lstStyle/>
+                    <a:p>
+                      <a:pPr algn="ctr"/>
+                      <a:r>
+                        <a:rPr lang="en-US" altLang="zh-TW" dirty="0"/>
+                        <a:t>Server</a:t>
+                      </a:r>
+                      <a:endParaRPr lang="zh-TW" altLang="en-US" dirty="0"/>
+                    </a:p>
+                  </a:txBody>
+                  <a:tcPr/>
+                </a:tc>
+                <a:extLst>
+                  <a:ext uri="{0D108BD9-81ED-4DB2-BD59-A6C34878D82A}">
+                    <a16:rowId xmlns:a16="http://schemas.microsoft.com/office/drawing/2014/main" val="3355443730"/>
+                  </a:ext>
+                </a:extLst>
+              </a:tr>
+              <a:tr h="370840">
+                <a:tc>
+                  <a:txBody>
+                    <a:bodyPr/>
+                    <a:lstStyle/>
+                    <a:p>
+                      <a:r>
+                        <a:rPr lang="zh-TW" altLang="en-US" dirty="0"/>
+                        <a:t>隨機生成</a:t>
+                      </a:r>
+                      <a:r>
+                        <a:rPr lang="en-US" altLang="zh-TW" dirty="0"/>
+                        <a:t> </a:t>
+                      </a:r>
+                      <a:r>
+                        <a:rPr lang="en-US" altLang="zh-TW" dirty="0" err="1"/>
+                        <a:t>publicKey</a:t>
+                      </a:r>
+                      <a:r>
+                        <a:rPr lang="en-US" altLang="zh-TW" dirty="0"/>
+                        <a:t> + </a:t>
+                      </a:r>
+                      <a:r>
+                        <a:rPr lang="en-US" altLang="zh-TW" dirty="0" err="1"/>
+                        <a:t>privateKey</a:t>
+                      </a:r>
+                      <a:endParaRPr lang="zh-TW" altLang="en-US" dirty="0"/>
+                    </a:p>
+                  </a:txBody>
+                  <a:tcPr/>
+                </a:tc>
+                <a:tc>
+                  <a:txBody>
+                    <a:bodyPr/>
+                    <a:lstStyle/>
+                    <a:p>
+                      <a:pPr marL="0" marR="0" lvl="0" indent="0" algn="l" defTabSz="914400" rtl="0" eaLnBrk="1" fontAlgn="auto" latinLnBrk="0" hangingPunct="1">
+                        <a:lnSpc>
+                          <a:spcPct val="100000"/>
+                        </a:lnSpc>
+                        <a:spcBef>
+                          <a:spcPts val="0"/>
+                        </a:spcBef>
+                        <a:spcAft>
+                          <a:spcPts val="0"/>
+                        </a:spcAft>
+                        <a:buClrTx/>
+                        <a:buSzTx/>
+                        <a:buFontTx/>
+                        <a:buNone/>
+                        <a:tabLst/>
+                        <a:defRPr/>
+                      </a:pPr>
+                      <a:r>
+                        <a:rPr lang="en-US" altLang="zh-TW" dirty="0" err="1"/>
+                        <a:t>PublicKey</a:t>
+                      </a:r>
+                      <a:r>
+                        <a:rPr lang="zh-TW" altLang="en-US" dirty="0"/>
+                        <a:t> </a:t>
+                      </a:r>
+                      <a:r>
+                        <a:rPr lang="en-US" altLang="zh-TW" dirty="0"/>
+                        <a:t>(client</a:t>
+                      </a:r>
+                      <a:r>
+                        <a:rPr lang="zh-TW" altLang="en-US" dirty="0"/>
+                        <a:t>傳的</a:t>
+                      </a:r>
+                      <a:r>
+                        <a:rPr lang="en-US" altLang="zh-TW" dirty="0"/>
+                        <a:t>)</a:t>
+                      </a:r>
+                      <a:endParaRPr lang="zh-TW" altLang="en-US" dirty="0"/>
+                    </a:p>
+                    <a:p>
+                      <a:endParaRPr lang="zh-TW" altLang="en-US" dirty="0"/>
+                    </a:p>
+                  </a:txBody>
+                  <a:tcPr/>
+                </a:tc>
+                <a:extLst>
+                  <a:ext uri="{0D108BD9-81ED-4DB2-BD59-A6C34878D82A}">
+                    <a16:rowId xmlns:a16="http://schemas.microsoft.com/office/drawing/2014/main" val="608560936"/>
+                  </a:ext>
+                </a:extLst>
+              </a:tr>
+            </a:tbl>
+          </a:graphicData>
+        </a:graphic>
+      </p:graphicFrame>
+      <p:sp>
+        <p:nvSpPr>
+          <p:cNvPr id="6" name="文字方塊 5">
+            <a:extLst>
+              <a:ext uri="{FF2B5EF4-FFF2-40B4-BE49-F238E27FC236}">
+                <a16:creationId xmlns:a16="http://schemas.microsoft.com/office/drawing/2014/main" id="{19CDCB25-1F28-62C9-ADE1-B1B84771D6A2}"/>
+              </a:ext>
+            </a:extLst>
+          </p:cNvPr>
+          <p:cNvSpPr txBox="1"/>
+          <p:nvPr/>
+        </p:nvSpPr>
+        <p:spPr>
+          <a:xfrm>
+            <a:off x="2275489" y="5091600"/>
+            <a:ext cx="7641021" cy="646331"/>
+          </a:xfrm>
+          <a:prstGeom prst="rect">
+            <a:avLst/>
+          </a:prstGeom>
+          <a:noFill/>
+        </p:spPr>
+        <p:txBody>
+          <a:bodyPr wrap="square">
+            <a:spAutoFit/>
+          </a:bodyPr>
+          <a:lstStyle/>
+          <a:p>
+            <a:pPr lvl="1"/>
+            <a:r>
+              <a:rPr lang="en-US" altLang="zh-TW" dirty="0"/>
+              <a:t>Client</a:t>
+            </a:r>
+            <a:r>
+              <a:rPr kumimoji="1" lang="zh-TW" altLang="en-US" dirty="0"/>
+              <a:t>簽名流程</a:t>
+            </a:r>
+            <a:r>
+              <a:rPr kumimoji="1" lang="en-US" altLang="zh-TW" sz="1800" dirty="0"/>
+              <a:t>: signature=</a:t>
+            </a:r>
+            <a:r>
+              <a:rPr kumimoji="1" lang="en-US" altLang="zh-TW" sz="1800" dirty="0" err="1"/>
+              <a:t>PrivateKey</a:t>
+            </a:r>
+            <a:r>
+              <a:rPr kumimoji="1" lang="en-US" altLang="zh-TW" sz="1800" dirty="0"/>
+              <a:t>(Hash(</a:t>
+            </a:r>
+            <a:r>
+              <a:rPr lang="en-US" altLang="zh-TW" dirty="0" err="1"/>
+              <a:t>publicKey</a:t>
+            </a:r>
+            <a:r>
+              <a:rPr lang="en-US" altLang="zh-TW" dirty="0"/>
+              <a:t> </a:t>
+            </a:r>
+            <a:r>
+              <a:rPr kumimoji="1" lang="en-US" altLang="zh-TW" sz="1800" dirty="0"/>
+              <a:t>+ timestamp))</a:t>
+            </a:r>
+          </a:p>
+          <a:p>
+            <a:pPr lvl="1"/>
+            <a:r>
+              <a:rPr lang="en-US" altLang="zh-TW" dirty="0"/>
+              <a:t>Server</a:t>
+            </a:r>
+            <a:r>
+              <a:rPr lang="zh-TW" altLang="en-US" dirty="0"/>
+              <a:t>驗證簽章流程</a:t>
+            </a:r>
+            <a:r>
+              <a:rPr kumimoji="1" lang="en-US" altLang="zh-TW" sz="1800" dirty="0"/>
+              <a:t>: </a:t>
+            </a:r>
+            <a:r>
+              <a:rPr kumimoji="1" lang="en-US" altLang="zh-TW" sz="1800" dirty="0" err="1"/>
+              <a:t>PublicKey</a:t>
+            </a:r>
+            <a:r>
+              <a:rPr kumimoji="1" lang="en-US" altLang="zh-TW" sz="1800" dirty="0"/>
+              <a:t>(signature) = Hash(</a:t>
+            </a:r>
+            <a:r>
+              <a:rPr lang="en-US" altLang="zh-TW" dirty="0" err="1"/>
+              <a:t>publicKey</a:t>
+            </a:r>
+            <a:r>
+              <a:rPr lang="en-US" altLang="zh-TW" dirty="0"/>
+              <a:t> </a:t>
+            </a:r>
+            <a:r>
+              <a:rPr kumimoji="1" lang="en-US" altLang="zh-TW" sz="1800" dirty="0"/>
+              <a:t>+ timestamp)</a:t>
+            </a:r>
+          </a:p>
+        </p:txBody>
+      </p:sp>
+      <p:sp>
+        <p:nvSpPr>
+          <p:cNvPr id="7" name="向右箭號 6">
+            <a:extLst>
+              <a:ext uri="{FF2B5EF4-FFF2-40B4-BE49-F238E27FC236}">
+                <a16:creationId xmlns:a16="http://schemas.microsoft.com/office/drawing/2014/main" id="{651CE264-09C3-EC37-2C00-04ED86C45CE6}"/>
+              </a:ext>
+            </a:extLst>
+          </p:cNvPr>
+          <p:cNvSpPr/>
+          <p:nvPr/>
+        </p:nvSpPr>
+        <p:spPr>
+          <a:xfrm>
+            <a:off x="3647090" y="4474206"/>
+            <a:ext cx="5321031" cy="536164"/>
+          </a:xfrm>
+          <a:prstGeom prst="rightArrow">
+            <a:avLst>
+              <a:gd name="adj1" fmla="val 100000"/>
+              <a:gd name="adj2" fmla="val 50000"/>
+            </a:avLst>
+          </a:prstGeom>
+        </p:spPr>
+        <p:style>
+          <a:lnRef idx="2">
+            <a:schemeClr val="accent1">
+              <a:shade val="15000"/>
+            </a:schemeClr>
+          </a:lnRef>
+          <a:fillRef idx="1">
+            <a:schemeClr val="accent1"/>
+          </a:fillRef>
+          <a:effectRef idx="0">
+            <a:schemeClr val="accent1"/>
+          </a:effectRef>
+          <a:fontRef idx="minor">
+            <a:schemeClr val="lt1"/>
+          </a:fontRef>
+        </p:style>
+        <p:txBody>
+          <a:bodyPr rtlCol="0" anchor="ctr"/>
+          <a:lstStyle/>
+          <a:p>
+            <a:pPr algn="ctr"/>
+            <a:r>
+              <a:rPr kumimoji="1" lang="zh-TW" altLang="en-US" dirty="0"/>
+              <a:t>用戶登入</a:t>
+            </a:r>
+            <a:r>
+              <a:rPr kumimoji="1" lang="en-US" altLang="zh-TW" dirty="0"/>
+              <a:t>: </a:t>
+            </a:r>
+            <a:r>
+              <a:rPr kumimoji="1" lang="zh-TW" altLang="en-US" dirty="0"/>
+              <a:t>傳出 </a:t>
+            </a:r>
+            <a:r>
+              <a:rPr lang="en-US" altLang="zh-TW" dirty="0" err="1"/>
+              <a:t>publicKey</a:t>
+            </a:r>
+            <a:r>
+              <a:rPr kumimoji="1" lang="zh-TW" altLang="en-US" dirty="0"/>
+              <a:t> </a:t>
+            </a:r>
+            <a:r>
+              <a:rPr kumimoji="1" lang="en-US" altLang="zh-TW" dirty="0"/>
+              <a:t>+ timestamp + </a:t>
+            </a:r>
+            <a:r>
+              <a:rPr kumimoji="1" lang="en-US" altLang="zh-TW" sz="1800" dirty="0"/>
+              <a:t>signature</a:t>
+            </a:r>
+            <a:endParaRPr kumimoji="1" lang="zh-TW" altLang="en-US" dirty="0"/>
+          </a:p>
+        </p:txBody>
+      </p:sp>
+      <p:sp>
+        <p:nvSpPr>
+          <p:cNvPr id="8" name="文字方塊 7">
+            <a:extLst>
+              <a:ext uri="{FF2B5EF4-FFF2-40B4-BE49-F238E27FC236}">
+                <a16:creationId xmlns:a16="http://schemas.microsoft.com/office/drawing/2014/main" id="{73ECF423-5DF2-AE97-E488-9E5B7D23DEAE}"/>
+              </a:ext>
+            </a:extLst>
+          </p:cNvPr>
+          <p:cNvSpPr txBox="1"/>
+          <p:nvPr/>
+        </p:nvSpPr>
+        <p:spPr>
+          <a:xfrm>
+            <a:off x="1776059" y="5815591"/>
+            <a:ext cx="9063091" cy="923330"/>
+          </a:xfrm>
+          <a:prstGeom prst="rect">
+            <a:avLst/>
+          </a:prstGeom>
+          <a:noFill/>
+        </p:spPr>
+        <p:txBody>
+          <a:bodyPr wrap="square" rtlCol="0">
+            <a:spAutoFit/>
+          </a:bodyPr>
+          <a:lstStyle/>
+          <a:p>
+            <a:r>
+              <a:rPr kumimoji="1" lang="zh-TW" altLang="en-US" dirty="0">
+                <a:solidFill>
+                  <a:srgbClr val="FF0000"/>
+                </a:solidFill>
+              </a:rPr>
+              <a:t>我證明了，只要能持續產生單次證明，就可以有效完成</a:t>
+            </a:r>
+            <a:r>
+              <a:rPr kumimoji="1" lang="en-US" altLang="zh-TW" dirty="0">
+                <a:solidFill>
+                  <a:srgbClr val="FF0000"/>
+                </a:solidFill>
+              </a:rPr>
+              <a:t>AID</a:t>
+            </a:r>
+            <a:r>
+              <a:rPr kumimoji="1" lang="zh-TW" altLang="en-US" dirty="0">
+                <a:solidFill>
+                  <a:srgbClr val="FF0000"/>
+                </a:solidFill>
+              </a:rPr>
+              <a:t>的</a:t>
+            </a:r>
+            <a:r>
+              <a:rPr lang="zh-TW" altLang="en-US" dirty="0">
+                <a:solidFill>
+                  <a:srgbClr val="FF0000"/>
+                </a:solidFill>
+              </a:rPr>
+              <a:t>認證。學長方案需要</a:t>
+            </a:r>
+            <a:r>
+              <a:rPr lang="en-US" altLang="zh-TW" dirty="0">
+                <a:solidFill>
+                  <a:srgbClr val="FF0000"/>
+                </a:solidFill>
+              </a:rPr>
+              <a:t> AID Server </a:t>
+            </a:r>
+            <a:r>
+              <a:rPr lang="zh-TW" altLang="en-US" dirty="0">
+                <a:solidFill>
+                  <a:srgbClr val="FF0000"/>
+                </a:solidFill>
+              </a:rPr>
+              <a:t>是因為 </a:t>
+            </a:r>
+            <a:r>
+              <a:rPr lang="en-US" altLang="zh-TW" dirty="0">
+                <a:solidFill>
+                  <a:srgbClr val="FF0000"/>
+                </a:solidFill>
+              </a:rPr>
+              <a:t>UUID </a:t>
+            </a:r>
+            <a:r>
+              <a:rPr lang="zh-TW" altLang="en-US" dirty="0">
+                <a:solidFill>
+                  <a:srgbClr val="FF0000"/>
+                </a:solidFill>
+              </a:rPr>
+              <a:t>本身不可以識別，他需要建立可識別的</a:t>
+            </a:r>
+            <a:r>
+              <a:rPr lang="en-US" altLang="zh-TW" dirty="0">
+                <a:solidFill>
+                  <a:srgbClr val="FF0000"/>
+                </a:solidFill>
+              </a:rPr>
+              <a:t> token </a:t>
+            </a:r>
+            <a:r>
+              <a:rPr lang="zh-TW" altLang="en-US" dirty="0">
+                <a:solidFill>
+                  <a:srgbClr val="FF0000"/>
+                </a:solidFill>
+              </a:rPr>
+              <a:t>與 </a:t>
+            </a:r>
+            <a:r>
+              <a:rPr lang="en-US" altLang="zh-TW" dirty="0">
+                <a:solidFill>
+                  <a:srgbClr val="FF0000"/>
+                </a:solidFill>
+              </a:rPr>
+              <a:t>UUID </a:t>
+            </a:r>
+            <a:r>
+              <a:rPr lang="zh-TW" altLang="en-US" dirty="0">
+                <a:solidFill>
+                  <a:srgbClr val="FF0000"/>
+                </a:solidFill>
+              </a:rPr>
+              <a:t>的關聯，直接用可識別的公鑰當</a:t>
+            </a:r>
+            <a:r>
+              <a:rPr lang="en-US" altLang="zh-TW" dirty="0">
+                <a:solidFill>
+                  <a:srgbClr val="FF0000"/>
+                </a:solidFill>
+              </a:rPr>
+              <a:t> ID </a:t>
+            </a:r>
+            <a:r>
+              <a:rPr lang="zh-TW" altLang="en-US" dirty="0">
+                <a:solidFill>
+                  <a:srgbClr val="FF0000"/>
+                </a:solidFill>
+              </a:rPr>
+              <a:t>就不需要</a:t>
+            </a:r>
+            <a:r>
+              <a:rPr lang="en-US" altLang="zh-TW" dirty="0">
+                <a:solidFill>
+                  <a:srgbClr val="FF0000"/>
+                </a:solidFill>
+              </a:rPr>
+              <a:t> AID Server</a:t>
+            </a:r>
+            <a:r>
+              <a:rPr lang="zh-TW" altLang="en-US" dirty="0">
+                <a:solidFill>
+                  <a:srgbClr val="FF0000"/>
+                </a:solidFill>
+              </a:rPr>
+              <a:t> 了，而且在數學上公鑰重複的機率非常低</a:t>
+            </a:r>
+            <a:endParaRPr kumimoji="1" lang="zh-TW" altLang="en-US" dirty="0">
+              <a:solidFill>
+                <a:srgbClr val="FF0000"/>
+              </a:solidFill>
+            </a:endParaRPr>
+          </a:p>
+        </p:txBody>
+      </p:sp>
+    </p:spTree>
+    <p:extLst>
+      <p:ext uri="{BB962C8B-B14F-4D97-AF65-F5344CB8AC3E}">
+        <p14:creationId xmlns:p14="http://schemas.microsoft.com/office/powerpoint/2010/main" val="4129576955"/>
+      </p:ext>
+    </p:extLst>
+  </p:cSld>
+  <p:clrMapOvr>
+    <a:masterClrMapping/>
+  </p:clrMapOvr>
+</p:sld>
+</file>
+
+<file path=ppt/slides/slide11.xml><?xml version="1.0" encoding="utf-8"?>
+<p:sld xmlns:a="http://schemas.openxmlformats.org/drawingml/2006/main" xmlns:r="http://schemas.openxmlformats.org/officeDocument/2006/relationships" xmlns:p="http://schemas.openxmlformats.org/presentationml/2006/main">
+  <p:cSld>
+    <p:spTree>
+      <p:nvGrpSpPr>
+        <p:cNvPr id="1" name=""/>
+        <p:cNvGrpSpPr/>
+        <p:nvPr/>
+      </p:nvGrpSpPr>
+      <p:grpSpPr>
+        <a:xfrm>
+          <a:off x="0" y="0"/>
+          <a:ext cx="0" cy="0"/>
+          <a:chOff x="0" y="0"/>
+          <a:chExt cx="0" cy="0"/>
+        </a:xfrm>
+      </p:grpSpPr>
+      <p:sp>
+        <p:nvSpPr>
+          <p:cNvPr id="2" name="標題 1">
+            <a:extLst>
+              <a:ext uri="{FF2B5EF4-FFF2-40B4-BE49-F238E27FC236}">
                 <a16:creationId xmlns:a16="http://schemas.microsoft.com/office/drawing/2014/main" id="{131DD98A-C5FE-9CD7-58BF-FAC1BCBD9E4E}"/>
               </a:ext>
             </a:extLst>
@@ -3756,7 +4485,7 @@
 </p:sld>
 </file>
 
-<file path=ppt/slides/slide11.xml><?xml version="1.0" encoding="utf-8"?>
+<file path=ppt/slides/slide12.xml><?xml version="1.0" encoding="utf-8"?>
 <p:sld xmlns:a="http://schemas.openxmlformats.org/drawingml/2006/main" xmlns:r="http://schemas.openxmlformats.org/officeDocument/2006/relationships" xmlns:p="http://schemas.openxmlformats.org/presentationml/2006/main">
   <p:cSld>
     <p:spTree>
@@ -5976,7 +6705,12 @@
             <p:ph idx="1"/>
           </p:nvPr>
         </p:nvSpPr>
-        <p:spPr/>
+        <p:spPr>
+          <a:xfrm>
+            <a:off x="567267" y="1690688"/>
+            <a:ext cx="10515600" cy="4351338"/>
+          </a:xfrm>
+        </p:spPr>
         <p:txBody>
           <a:bodyPr>
             <a:normAutofit/>
@@ -6192,7 +6926,17 @@
             </a:r>
             <a:r>
               <a:rPr lang="zh-TW" altLang="en-US" dirty="0"/>
-              <a:t> 表示所有證明方法</a:t>
+              <a:t> 表示</a:t>
+            </a:r>
+            <a:r>
+              <a:rPr lang="zh-TW" altLang="en-US" b="0" dirty="0">
+                <a:solidFill>
+                  <a:srgbClr val="939DA5"/>
+                </a:solidFill>
+                <a:effectLst/>
+                <a:latin typeface="Menlo" panose="020B0609030804020204" pitchFamily="49" charset="0"/>
+              </a:rPr>
+              <a:t>認證因素</a:t>
             </a:r>
             <a:endParaRPr lang="en" altLang="zh-TW" dirty="0"/>
           </a:p>
@@ -6500,7 +7244,7 @@
           <p:cNvPr id="2" name="標題 1">
             <a:extLst>
               <a:ext uri="{FF2B5EF4-FFF2-40B4-BE49-F238E27FC236}">
-                <a16:creationId xmlns:a16="http://schemas.microsoft.com/office/drawing/2014/main" id="{CB46BC8B-DFAA-BFE3-9417-068B9329C7FE}"/>
+                <a16:creationId xmlns:a16="http://schemas.microsoft.com/office/drawing/2014/main" id="{B890B304-671F-D895-500F-DFDF6E45FF31}"/>
               </a:ext>
             </a:extLst>
           </p:cNvPr>
@@ -6518,17 +7262,22 @@
           <a:p>
             <a:r>
               <a:rPr kumimoji="1" lang="zh-TW" altLang="en-US" dirty="0"/>
-              <a:t>部分最小案例</a:t>
-            </a:r>
-          </a:p>
-        </p:txBody>
-      </p:sp>
-      <p:sp>
-        <p:nvSpPr>
-          <p:cNvPr id="3" name="內容版面配置區 2">
-            <a:extLst>
-              <a:ext uri="{FF2B5EF4-FFF2-40B4-BE49-F238E27FC236}">
-                <a16:creationId xmlns:a16="http://schemas.microsoft.com/office/drawing/2014/main" id="{66FDB20C-D9EE-3930-8CFE-1FA8374C6AAE}"/>
+              <a:t>＋</a:t>
+            </a:r>
+            <a:r>
+              <a:rPr kumimoji="1" lang="en-US" altLang="zh-TW" dirty="0"/>
+              <a:t>MFA</a:t>
+            </a:r>
+            <a:endParaRPr kumimoji="1" lang="zh-TW" altLang="en-US" dirty="0"/>
+          </a:p>
+        </p:txBody>
+      </p:sp>
+      <p:sp>
+        <p:nvSpPr>
+          <p:cNvPr id="4" name="內容版面配置區 2">
+            <a:extLst>
+              <a:ext uri="{FF2B5EF4-FFF2-40B4-BE49-F238E27FC236}">
+                <a16:creationId xmlns:a16="http://schemas.microsoft.com/office/drawing/2014/main" id="{11E8DCF6-E14B-BB93-3576-C37C548F3B4C}"/>
               </a:ext>
             </a:extLst>
           </p:cNvPr>
@@ -6539,664 +7288,73 @@
             <p:ph idx="1"/>
           </p:nvPr>
         </p:nvSpPr>
-        <p:spPr>
-          <a:xfrm>
-            <a:off x="838200" y="1690688"/>
-            <a:ext cx="10515600" cy="1937078"/>
-          </a:xfrm>
-        </p:spPr>
+        <p:spPr/>
         <p:txBody>
           <a:bodyPr>
             <a:normAutofit/>
           </a:bodyPr>
           <a:lstStyle/>
           <a:p>
-            <a:pPr marL="514350" indent="-514350">
-              <a:buFont typeface="+mj-lt"/>
-              <a:buAutoNum type="arabicPeriod"/>
-            </a:pPr>
-            <a:r>
-              <a:rPr kumimoji="1" lang="zh-TW" altLang="en-US" sz="2400" dirty="0"/>
-              <a:t>用公鑰當</a:t>
-            </a:r>
-            <a:r>
-              <a:rPr kumimoji="1" lang="en-US" altLang="zh-TW" sz="2400" dirty="0"/>
-              <a:t> ID , </a:t>
-            </a:r>
-            <a:r>
-              <a:rPr kumimoji="1" lang="zh-TW" altLang="en-US" sz="2400" dirty="0"/>
-              <a:t>只要是隨機生成</a:t>
-            </a:r>
-            <a:r>
-              <a:rPr kumimoji="1" lang="en-US" altLang="zh-TW" sz="2400" dirty="0"/>
-              <a:t>, </a:t>
-            </a:r>
-            <a:r>
-              <a:rPr kumimoji="1" lang="zh-TW" altLang="en-US" sz="2400" dirty="0"/>
-              <a:t>理論上私鑰不會被猜出來</a:t>
-            </a:r>
-            <a:r>
-              <a:rPr kumimoji="1" lang="en-US" altLang="zh-TW" sz="2400" dirty="0"/>
-              <a:t>, </a:t>
-            </a:r>
-            <a:r>
-              <a:rPr kumimoji="1" lang="zh-TW" altLang="en-US" sz="2400" dirty="0"/>
-              <a:t>就符合</a:t>
-            </a:r>
-            <a:endParaRPr kumimoji="1" lang="en-US" altLang="zh-TW" sz="2400" dirty="0"/>
-          </a:p>
-          <a:p>
-            <a:pPr marL="514350" indent="-514350">
-              <a:buFont typeface="+mj-lt"/>
-              <a:buAutoNum type="arabicPeriod"/>
-            </a:pPr>
-            <a:r>
-              <a:rPr kumimoji="1" lang="zh-TW" altLang="en-US" sz="2400" dirty="0"/>
-              <a:t>把密碼的</a:t>
-            </a:r>
-            <a:r>
-              <a:rPr kumimoji="1" lang="en-US" altLang="zh-TW" sz="2400" dirty="0"/>
-              <a:t> Hash </a:t>
-            </a:r>
-            <a:r>
-              <a:rPr kumimoji="1" lang="zh-TW" altLang="en-US" sz="2400" dirty="0"/>
-              <a:t>當 </a:t>
-            </a:r>
-            <a:r>
-              <a:rPr kumimoji="1" lang="en-US" altLang="zh-TW" sz="2400" dirty="0"/>
-              <a:t>ID, </a:t>
-            </a:r>
-            <a:r>
-              <a:rPr kumimoji="1" lang="zh-TW" altLang="en-US" sz="2400" dirty="0"/>
-              <a:t>使用零知識證明，證明擁有</a:t>
-            </a:r>
-            <a:r>
-              <a:rPr kumimoji="1" lang="en-US" altLang="zh-TW" sz="2400" dirty="0"/>
-              <a:t> hash </a:t>
-            </a:r>
-            <a:r>
-              <a:rPr kumimoji="1" lang="zh-TW" altLang="en-US" sz="2400" dirty="0"/>
-              <a:t>的</a:t>
-            </a:r>
-            <a:r>
-              <a:rPr kumimoji="1" lang="en-US" altLang="zh-TW" sz="2400" dirty="0"/>
-              <a:t> pre-image</a:t>
-            </a:r>
-          </a:p>
-          <a:p>
-            <a:pPr marL="514350" indent="-514350">
-              <a:buFont typeface="+mj-lt"/>
-              <a:buAutoNum type="arabicPeriod"/>
-            </a:pPr>
-            <a:r>
-              <a:rPr kumimoji="1" lang="zh-TW" altLang="en-US" sz="2400" dirty="0"/>
-              <a:t>可以用被自訂密碼產生的</a:t>
-            </a:r>
-            <a:r>
-              <a:rPr kumimoji="1" lang="en-US" altLang="zh-TW" sz="2400" dirty="0"/>
-              <a:t> </a:t>
-            </a:r>
-            <a:r>
-              <a:rPr kumimoji="1" lang="en-US" altLang="zh-TW" sz="2400" dirty="0" err="1"/>
-              <a:t>uuid</a:t>
-            </a:r>
-            <a:r>
-              <a:rPr kumimoji="1" lang="en-US" altLang="zh-TW" sz="2400" dirty="0"/>
-              <a:t> (</a:t>
-            </a:r>
-            <a:r>
-              <a:rPr kumimoji="1" lang="zh-TW" altLang="en-US" sz="2400" dirty="0"/>
-              <a:t>概念相當於</a:t>
-            </a:r>
-            <a:r>
-              <a:rPr kumimoji="1" lang="en-US" altLang="zh-TW" sz="2400" dirty="0"/>
-              <a:t>hash)</a:t>
-            </a:r>
-            <a:r>
-              <a:rPr kumimoji="1" lang="zh-TW" altLang="en-US" sz="2400" dirty="0"/>
-              <a:t>，使用零知識證明，證明擁有</a:t>
-            </a:r>
-            <a:r>
-              <a:rPr kumimoji="1" lang="en-US" altLang="zh-TW" sz="2400" dirty="0"/>
-              <a:t> </a:t>
-            </a:r>
-            <a:r>
-              <a:rPr kumimoji="1" lang="en-US" altLang="zh-TW" sz="2400" dirty="0" err="1"/>
-              <a:t>uuid</a:t>
-            </a:r>
-            <a:r>
-              <a:rPr kumimoji="1" lang="en-US" altLang="zh-TW" sz="2400" dirty="0"/>
-              <a:t> </a:t>
-            </a:r>
-            <a:r>
-              <a:rPr kumimoji="1" lang="zh-TW" altLang="en-US" sz="2400" dirty="0"/>
-              <a:t>的</a:t>
-            </a:r>
-            <a:r>
-              <a:rPr kumimoji="1" lang="en-US" altLang="zh-TW" sz="2400" dirty="0"/>
-              <a:t> pre-image</a:t>
-            </a:r>
-          </a:p>
-        </p:txBody>
-      </p:sp>
-      <p:graphicFrame>
-        <p:nvGraphicFramePr>
-          <p:cNvPr id="4" name="表格 3">
-            <a:extLst>
-              <a:ext uri="{FF2B5EF4-FFF2-40B4-BE49-F238E27FC236}">
-                <a16:creationId xmlns:a16="http://schemas.microsoft.com/office/drawing/2014/main" id="{707CB11A-7231-B1B6-B2CE-F7F3DDA8629F}"/>
-              </a:ext>
-            </a:extLst>
-          </p:cNvPr>
-          <p:cNvGraphicFramePr>
-            <a:graphicFrameLocks noGrp="1"/>
-          </p:cNvGraphicFramePr>
-          <p:nvPr>
-            <p:extLst>
-              <p:ext uri="{D42A27DB-BD31-4B8C-83A1-F6EECF244321}">
-                <p14:modId xmlns:p14="http://schemas.microsoft.com/office/powerpoint/2010/main" val="2868950795"/>
-              </p:ext>
-            </p:extLst>
-          </p:nvPr>
-        </p:nvGraphicFramePr>
-        <p:xfrm>
-          <a:off x="3032573" y="3382056"/>
-          <a:ext cx="6126854" cy="1010920"/>
-        </p:xfrm>
-        <a:graphic>
-          <a:graphicData uri="http://schemas.openxmlformats.org/drawingml/2006/table">
-            <a:tbl>
-              <a:tblPr firstRow="1" bandRow="1">
-                <a:tableStyleId>{5C22544A-7EE6-4342-B048-85BDC9FD1C3A}</a:tableStyleId>
-              </a:tblPr>
-              <a:tblGrid>
-                <a:gridCol w="3520289">
-                  <a:extLst>
-                    <a:ext uri="{9D8B030D-6E8A-4147-A177-3AD203B41FA5}">
-                      <a16:colId xmlns:a16="http://schemas.microsoft.com/office/drawing/2014/main" val="1656300732"/>
-                    </a:ext>
-                  </a:extLst>
-                </a:gridCol>
-                <a:gridCol w="2606565">
-                  <a:extLst>
-                    <a:ext uri="{9D8B030D-6E8A-4147-A177-3AD203B41FA5}">
-                      <a16:colId xmlns:a16="http://schemas.microsoft.com/office/drawing/2014/main" val="805560109"/>
-                    </a:ext>
-                  </a:extLst>
-                </a:gridCol>
-              </a:tblGrid>
-              <a:tr h="370840">
-                <a:tc>
-                  <a:txBody>
-                    <a:bodyPr/>
-                    <a:lstStyle/>
-                    <a:p>
-                      <a:pPr algn="ctr"/>
-                      <a:r>
-                        <a:rPr lang="en-US" altLang="zh-TW" dirty="0"/>
-                        <a:t>Client</a:t>
-                      </a:r>
-                      <a:endParaRPr lang="zh-TW" altLang="en-US" dirty="0"/>
-                    </a:p>
-                  </a:txBody>
-                  <a:tcPr/>
-                </a:tc>
-                <a:tc>
-                  <a:txBody>
-                    <a:bodyPr/>
-                    <a:lstStyle/>
-                    <a:p>
-                      <a:pPr algn="ctr"/>
-                      <a:r>
-                        <a:rPr lang="en-US" altLang="zh-TW" dirty="0"/>
-                        <a:t>Server</a:t>
-                      </a:r>
-                      <a:endParaRPr lang="zh-TW" altLang="en-US" dirty="0"/>
-                    </a:p>
-                  </a:txBody>
-                  <a:tcPr/>
-                </a:tc>
-                <a:extLst>
-                  <a:ext uri="{0D108BD9-81ED-4DB2-BD59-A6C34878D82A}">
-                    <a16:rowId xmlns:a16="http://schemas.microsoft.com/office/drawing/2014/main" val="3355443730"/>
-                  </a:ext>
-                </a:extLst>
-              </a:tr>
-              <a:tr h="370840">
-                <a:tc>
-                  <a:txBody>
-                    <a:bodyPr/>
-                    <a:lstStyle/>
-                    <a:p>
-                      <a:r>
-                        <a:rPr lang="zh-TW" altLang="en-US" dirty="0"/>
-                        <a:t>隨機生成</a:t>
-                      </a:r>
-                      <a:r>
-                        <a:rPr lang="en-US" altLang="zh-TW" dirty="0"/>
-                        <a:t> </a:t>
-                      </a:r>
-                      <a:r>
-                        <a:rPr lang="en-US" altLang="zh-TW" dirty="0" err="1"/>
-                        <a:t>publicKey</a:t>
-                      </a:r>
-                      <a:r>
-                        <a:rPr lang="en-US" altLang="zh-TW" dirty="0"/>
-                        <a:t> + </a:t>
-                      </a:r>
-                      <a:r>
-                        <a:rPr lang="en-US" altLang="zh-TW" dirty="0" err="1"/>
-                        <a:t>privateKey</a:t>
-                      </a:r>
-                      <a:endParaRPr lang="zh-TW" altLang="en-US" dirty="0"/>
-                    </a:p>
-                  </a:txBody>
-                  <a:tcPr/>
-                </a:tc>
-                <a:tc>
-                  <a:txBody>
-                    <a:bodyPr/>
-                    <a:lstStyle/>
-                    <a:p>
-                      <a:pPr marL="0" marR="0" lvl="0" indent="0" algn="l" defTabSz="914400" rtl="0" eaLnBrk="1" fontAlgn="auto" latinLnBrk="0" hangingPunct="1">
-                        <a:lnSpc>
-                          <a:spcPct val="100000"/>
-                        </a:lnSpc>
-                        <a:spcBef>
-                          <a:spcPts val="0"/>
-                        </a:spcBef>
-                        <a:spcAft>
-                          <a:spcPts val="0"/>
-                        </a:spcAft>
-                        <a:buClrTx/>
-                        <a:buSzTx/>
-                        <a:buFontTx/>
-                        <a:buNone/>
-                        <a:tabLst/>
-                        <a:defRPr/>
-                      </a:pPr>
-                      <a:r>
-                        <a:rPr lang="en-US" altLang="zh-TW" dirty="0" err="1"/>
-                        <a:t>PublicKey</a:t>
-                      </a:r>
-                      <a:r>
-                        <a:rPr lang="zh-TW" altLang="en-US" dirty="0"/>
-                        <a:t> </a:t>
-                      </a:r>
-                      <a:r>
-                        <a:rPr lang="en-US" altLang="zh-TW" dirty="0"/>
-                        <a:t>(client</a:t>
-                      </a:r>
-                      <a:r>
-                        <a:rPr lang="zh-TW" altLang="en-US" dirty="0"/>
-                        <a:t>傳的</a:t>
-                      </a:r>
-                      <a:r>
-                        <a:rPr lang="en-US" altLang="zh-TW" dirty="0"/>
-                        <a:t>)</a:t>
-                      </a:r>
-                      <a:endParaRPr lang="zh-TW" altLang="en-US" dirty="0"/>
-                    </a:p>
-                    <a:p>
-                      <a:endParaRPr lang="zh-TW" altLang="en-US" dirty="0"/>
-                    </a:p>
-                  </a:txBody>
-                  <a:tcPr/>
-                </a:tc>
-                <a:extLst>
-                  <a:ext uri="{0D108BD9-81ED-4DB2-BD59-A6C34878D82A}">
-                    <a16:rowId xmlns:a16="http://schemas.microsoft.com/office/drawing/2014/main" val="608560936"/>
-                  </a:ext>
-                </a:extLst>
-              </a:tr>
-            </a:tbl>
-          </a:graphicData>
-        </a:graphic>
-      </p:graphicFrame>
-      <p:sp>
-        <p:nvSpPr>
-          <p:cNvPr id="6" name="文字方塊 5">
-            <a:extLst>
-              <a:ext uri="{FF2B5EF4-FFF2-40B4-BE49-F238E27FC236}">
-                <a16:creationId xmlns:a16="http://schemas.microsoft.com/office/drawing/2014/main" id="{19CDCB25-1F28-62C9-ADE1-B1B84771D6A2}"/>
-              </a:ext>
-            </a:extLst>
-          </p:cNvPr>
-          <p:cNvSpPr txBox="1"/>
-          <p:nvPr/>
-        </p:nvSpPr>
-        <p:spPr>
-          <a:xfrm>
-            <a:off x="2275489" y="5091600"/>
-            <a:ext cx="7641021" cy="646331"/>
-          </a:xfrm>
-          <a:prstGeom prst="rect">
-            <a:avLst/>
-          </a:prstGeom>
-          <a:noFill/>
-        </p:spPr>
-        <p:txBody>
-          <a:bodyPr wrap="square">
-            <a:spAutoFit/>
-          </a:bodyPr>
-          <a:lstStyle/>
+            <a:r>
+              <a:rPr lang="en" altLang="zh-TW" dirty="0"/>
+              <a:t>Function Definitions:</a:t>
+            </a:r>
+          </a:p>
           <a:p>
             <a:pPr lvl="1"/>
             <a:r>
-              <a:rPr lang="en-US" altLang="zh-TW" dirty="0"/>
-              <a:t>Client</a:t>
-            </a:r>
-            <a:r>
-              <a:rPr kumimoji="1" lang="zh-TW" altLang="en-US" dirty="0"/>
-              <a:t>簽名流程</a:t>
-            </a:r>
-            <a:r>
-              <a:rPr kumimoji="1" lang="en-US" altLang="zh-TW" sz="1800" dirty="0"/>
-              <a:t>: signature=</a:t>
-            </a:r>
-            <a:r>
-              <a:rPr kumimoji="1" lang="en-US" altLang="zh-TW" sz="1800" dirty="0" err="1"/>
-              <a:t>PrivateKey</a:t>
-            </a:r>
-            <a:r>
-              <a:rPr kumimoji="1" lang="en-US" altLang="zh-TW" sz="1800" dirty="0"/>
-              <a:t>(Hash(</a:t>
-            </a:r>
-            <a:r>
-              <a:rPr lang="en-US" altLang="zh-TW" dirty="0" err="1"/>
-              <a:t>publicKey</a:t>
-            </a:r>
-            <a:r>
-              <a:rPr lang="en-US" altLang="zh-TW" dirty="0"/>
-              <a:t> </a:t>
-            </a:r>
-            <a:r>
-              <a:rPr kumimoji="1" lang="en-US" altLang="zh-TW" sz="1800" dirty="0"/>
-              <a:t>+ timestamp))</a:t>
+              <a:rPr lang="en" altLang="zh-TW" dirty="0"/>
+              <a:t>generate: ∅ → (AID)</a:t>
             </a:r>
           </a:p>
           <a:p>
             <a:pPr lvl="1"/>
             <a:r>
-              <a:rPr lang="en-US" altLang="zh-TW" dirty="0"/>
-              <a:t>Server</a:t>
-            </a:r>
-            <a:r>
-              <a:rPr lang="zh-TW" altLang="en-US" dirty="0"/>
-              <a:t>驗證簽章流程</a:t>
-            </a:r>
-            <a:r>
-              <a:rPr kumimoji="1" lang="en-US" altLang="zh-TW" sz="1800" dirty="0"/>
-              <a:t>: </a:t>
-            </a:r>
-            <a:r>
-              <a:rPr kumimoji="1" lang="en-US" altLang="zh-TW" sz="1800" dirty="0" err="1"/>
-              <a:t>PublicKey</a:t>
-            </a:r>
-            <a:r>
-              <a:rPr kumimoji="1" lang="en-US" altLang="zh-TW" sz="1800" dirty="0"/>
-              <a:t>(signature) = Hash(</a:t>
-            </a:r>
-            <a:r>
-              <a:rPr lang="en-US" altLang="zh-TW" dirty="0" err="1"/>
-              <a:t>publicKey</a:t>
-            </a:r>
-            <a:r>
-              <a:rPr lang="en-US" altLang="zh-TW" dirty="0"/>
-              <a:t> </a:t>
-            </a:r>
-            <a:r>
-              <a:rPr kumimoji="1" lang="en-US" altLang="zh-TW" sz="1800" dirty="0"/>
-              <a:t>+ timestamp)</a:t>
-            </a:r>
-          </a:p>
-        </p:txBody>
-      </p:sp>
-      <p:sp>
-        <p:nvSpPr>
-          <p:cNvPr id="7" name="向右箭號 6">
-            <a:extLst>
-              <a:ext uri="{FF2B5EF4-FFF2-40B4-BE49-F238E27FC236}">
-                <a16:creationId xmlns:a16="http://schemas.microsoft.com/office/drawing/2014/main" id="{651CE264-09C3-EC37-2C00-04ED86C45CE6}"/>
-              </a:ext>
-            </a:extLst>
-          </p:cNvPr>
-          <p:cNvSpPr/>
-          <p:nvPr/>
-        </p:nvSpPr>
-        <p:spPr>
-          <a:xfrm>
-            <a:off x="3647090" y="4474206"/>
-            <a:ext cx="5321031" cy="536164"/>
-          </a:xfrm>
-          <a:prstGeom prst="rightArrow">
-            <a:avLst>
-              <a:gd name="adj1" fmla="val 100000"/>
-              <a:gd name="adj2" fmla="val 50000"/>
-            </a:avLst>
-          </a:prstGeom>
-        </p:spPr>
-        <p:style>
-          <a:lnRef idx="2">
-            <a:schemeClr val="accent1">
-              <a:shade val="15000"/>
-            </a:schemeClr>
-          </a:lnRef>
-          <a:fillRef idx="1">
-            <a:schemeClr val="accent1"/>
-          </a:fillRef>
-          <a:effectRef idx="0">
-            <a:schemeClr val="accent1"/>
-          </a:effectRef>
-          <a:fontRef idx="minor">
-            <a:schemeClr val="lt1"/>
-          </a:fontRef>
-        </p:style>
-        <p:txBody>
-          <a:bodyPr rtlCol="0" anchor="ctr"/>
-          <a:lstStyle/>
-          <a:p>
-            <a:pPr algn="ctr"/>
-            <a:r>
-              <a:rPr kumimoji="1" lang="zh-TW" altLang="en-US" dirty="0"/>
-              <a:t>用戶登入</a:t>
-            </a:r>
-            <a:r>
-              <a:rPr kumimoji="1" lang="en-US" altLang="zh-TW" dirty="0"/>
-              <a:t>: </a:t>
-            </a:r>
-            <a:r>
-              <a:rPr kumimoji="1" lang="zh-TW" altLang="en-US" dirty="0"/>
-              <a:t>傳出 </a:t>
-            </a:r>
-            <a:r>
-              <a:rPr lang="en-US" altLang="zh-TW" dirty="0" err="1"/>
-              <a:t>publicKey</a:t>
-            </a:r>
-            <a:r>
-              <a:rPr kumimoji="1" lang="zh-TW" altLang="en-US" dirty="0"/>
-              <a:t> </a:t>
-            </a:r>
-            <a:r>
-              <a:rPr kumimoji="1" lang="en-US" altLang="zh-TW" dirty="0"/>
-              <a:t>+ timestamp + </a:t>
-            </a:r>
-            <a:r>
-              <a:rPr kumimoji="1" lang="en-US" altLang="zh-TW" sz="1800" dirty="0"/>
-              <a:t>signature</a:t>
-            </a:r>
-            <a:endParaRPr kumimoji="1" lang="zh-TW" altLang="en-US" dirty="0"/>
-          </a:p>
-        </p:txBody>
-      </p:sp>
-      <p:sp>
-        <p:nvSpPr>
-          <p:cNvPr id="8" name="文字方塊 7">
-            <a:extLst>
-              <a:ext uri="{FF2B5EF4-FFF2-40B4-BE49-F238E27FC236}">
-                <a16:creationId xmlns:a16="http://schemas.microsoft.com/office/drawing/2014/main" id="{73ECF423-5DF2-AE97-E488-9E5B7D23DEAE}"/>
-              </a:ext>
-            </a:extLst>
-          </p:cNvPr>
-          <p:cNvSpPr txBox="1"/>
-          <p:nvPr/>
-        </p:nvSpPr>
-        <p:spPr>
-          <a:xfrm>
-            <a:off x="1776059" y="5815591"/>
-            <a:ext cx="9063091" cy="923330"/>
-          </a:xfrm>
-          <a:prstGeom prst="rect">
-            <a:avLst/>
-          </a:prstGeom>
-          <a:noFill/>
-        </p:spPr>
-        <p:txBody>
-          <a:bodyPr wrap="square" rtlCol="0">
-            <a:spAutoFit/>
-          </a:bodyPr>
-          <a:lstStyle/>
-          <a:p>
-            <a:r>
-              <a:rPr kumimoji="1" lang="zh-TW" altLang="en-US" dirty="0">
-                <a:solidFill>
-                  <a:srgbClr val="FF0000"/>
-                </a:solidFill>
-              </a:rPr>
-              <a:t>我證明了，只要能持續產生單次證明，就可以有效完成</a:t>
-            </a:r>
-            <a:r>
-              <a:rPr kumimoji="1" lang="en-US" altLang="zh-TW" dirty="0">
-                <a:solidFill>
-                  <a:srgbClr val="FF0000"/>
-                </a:solidFill>
-              </a:rPr>
-              <a:t>AID</a:t>
-            </a:r>
-            <a:r>
-              <a:rPr kumimoji="1" lang="zh-TW" altLang="en-US" dirty="0">
-                <a:solidFill>
-                  <a:srgbClr val="FF0000"/>
-                </a:solidFill>
-              </a:rPr>
-              <a:t>的</a:t>
-            </a:r>
-            <a:r>
-              <a:rPr lang="zh-TW" altLang="en-US" dirty="0">
-                <a:solidFill>
-                  <a:srgbClr val="FF0000"/>
-                </a:solidFill>
-              </a:rPr>
-              <a:t>認證。學長方案需要</a:t>
-            </a:r>
-            <a:r>
-              <a:rPr lang="en-US" altLang="zh-TW" dirty="0">
-                <a:solidFill>
-                  <a:srgbClr val="FF0000"/>
-                </a:solidFill>
-              </a:rPr>
-              <a:t> AID Server </a:t>
-            </a:r>
-            <a:r>
-              <a:rPr lang="zh-TW" altLang="en-US" dirty="0">
-                <a:solidFill>
-                  <a:srgbClr val="FF0000"/>
-                </a:solidFill>
-              </a:rPr>
-              <a:t>是因為 </a:t>
-            </a:r>
-            <a:r>
-              <a:rPr lang="en-US" altLang="zh-TW" dirty="0">
-                <a:solidFill>
-                  <a:srgbClr val="FF0000"/>
-                </a:solidFill>
-              </a:rPr>
-              <a:t>UUID </a:t>
-            </a:r>
-            <a:r>
-              <a:rPr lang="zh-TW" altLang="en-US" dirty="0">
-                <a:solidFill>
-                  <a:srgbClr val="FF0000"/>
-                </a:solidFill>
-              </a:rPr>
-              <a:t>本身不可以識別，他需要建立可識別的</a:t>
-            </a:r>
-            <a:r>
-              <a:rPr lang="en-US" altLang="zh-TW" dirty="0">
-                <a:solidFill>
-                  <a:srgbClr val="FF0000"/>
-                </a:solidFill>
-              </a:rPr>
-              <a:t> token </a:t>
-            </a:r>
-            <a:r>
-              <a:rPr lang="zh-TW" altLang="en-US" dirty="0">
-                <a:solidFill>
-                  <a:srgbClr val="FF0000"/>
-                </a:solidFill>
-              </a:rPr>
-              <a:t>與 </a:t>
-            </a:r>
-            <a:r>
-              <a:rPr lang="en-US" altLang="zh-TW" dirty="0">
-                <a:solidFill>
-                  <a:srgbClr val="FF0000"/>
-                </a:solidFill>
-              </a:rPr>
-              <a:t>UUID </a:t>
-            </a:r>
-            <a:r>
-              <a:rPr lang="zh-TW" altLang="en-US" dirty="0">
-                <a:solidFill>
-                  <a:srgbClr val="FF0000"/>
-                </a:solidFill>
-              </a:rPr>
-              <a:t>的關聯，直接用可識別的公鑰當</a:t>
-            </a:r>
-            <a:r>
-              <a:rPr lang="en-US" altLang="zh-TW" dirty="0">
-                <a:solidFill>
-                  <a:srgbClr val="FF0000"/>
-                </a:solidFill>
-              </a:rPr>
-              <a:t> ID </a:t>
-            </a:r>
-            <a:r>
-              <a:rPr lang="zh-TW" altLang="en-US" dirty="0">
-                <a:solidFill>
-                  <a:srgbClr val="FF0000"/>
-                </a:solidFill>
-              </a:rPr>
-              <a:t>就不需要</a:t>
-            </a:r>
-            <a:r>
-              <a:rPr lang="en-US" altLang="zh-TW" dirty="0">
-                <a:solidFill>
-                  <a:srgbClr val="FF0000"/>
-                </a:solidFill>
-              </a:rPr>
-              <a:t> AID Server</a:t>
-            </a:r>
-            <a:r>
-              <a:rPr lang="zh-TW" altLang="en-US" dirty="0">
-                <a:solidFill>
-                  <a:srgbClr val="FF0000"/>
-                </a:solidFill>
-              </a:rPr>
-              <a:t> 了，而且在數學上公鑰重複的機率非常低</a:t>
-            </a:r>
-            <a:endParaRPr kumimoji="1" lang="zh-TW" altLang="en-US" dirty="0">
-              <a:solidFill>
-                <a:srgbClr val="FF0000"/>
-              </a:solidFill>
-            </a:endParaRPr>
+              <a:rPr lang="en" altLang="zh-TW" dirty="0"/>
+              <a:t>bind: (AID, token) → AID</a:t>
+            </a:r>
+          </a:p>
+          <a:p>
+            <a:pPr lvl="1"/>
+            <a:r>
+              <a:rPr lang="en" altLang="zh-TW" dirty="0"/>
+              <a:t>proof: token → one-time-proof </a:t>
+            </a:r>
+          </a:p>
+          <a:p>
+            <a:pPr lvl="1"/>
+            <a:r>
+              <a:rPr lang="en" altLang="zh-TW" dirty="0"/>
+              <a:t>verify: (AID, one-time-proof) → {0,1}</a:t>
+            </a:r>
+            <a:endParaRPr kumimoji="1" lang="en-US" altLang="zh-TW" dirty="0"/>
+          </a:p>
+          <a:p>
+            <a:r>
+              <a:rPr lang="en" altLang="zh-TW" dirty="0"/>
+              <a:t>System relationship:</a:t>
+            </a:r>
+          </a:p>
+          <a:p>
+            <a:pPr lvl="1"/>
+            <a:r>
+              <a:rPr lang="en" altLang="zh-TW" dirty="0"/>
+              <a:t>∀one-time-proof = proof(token)</a:t>
+            </a:r>
+          </a:p>
+          <a:p>
+            <a:pPr lvl="1"/>
+            <a:r>
+              <a:rPr lang="en" altLang="zh-TW" dirty="0"/>
+              <a:t>verify(bind(AID, token), one-time-proof) = 1</a:t>
+            </a:r>
           </a:p>
         </p:txBody>
       </p:sp>
     </p:spTree>
     <p:extLst>
       <p:ext uri="{BB962C8B-B14F-4D97-AF65-F5344CB8AC3E}">
-        <p14:creationId xmlns:p14="http://schemas.microsoft.com/office/powerpoint/2010/main" val="4129576955"/>
+        <p14:creationId xmlns:p14="http://schemas.microsoft.com/office/powerpoint/2010/main" val="3640226032"/>
       </p:ext>
     </p:extLst>
   </p:cSld>
